--- a/Wi23_content/SEDS/L3.Version_Control.pptx
+++ b/Wi23_content/SEDS/L3.Version_Control.pptx
@@ -245,7 +245,7 @@
           <a:p>
             <a:fld id="{08F62E20-B1AA-3442-B8F1-F4A56998389D}" type="datetimeFigureOut">
               <a:rPr lang="en-US" smtClean="0"/>
-              <a:t>1/11/2022</a:t>
+              <a:t>1/10/23</a:t>
             </a:fld>
             <a:endParaRPr lang="en-US"/>
           </a:p>
@@ -671,7 +671,7 @@
           <a:ln/>
           <a:extLst>
             <a:ext uri="{AF507438-7753-43e0-B8FC-AC1667EBCBE1}">
-              <a14:hiddenEffects xmlns:a14="http://schemas.microsoft.com/office/drawing/2010/main" xmlns="">
+              <a14:hiddenEffects xmlns="" xmlns:a14="http://schemas.microsoft.com/office/drawing/2010/main">
                 <a:effectLst>
                   <a:outerShdw blurRad="63500" dist="38099" dir="2700000" algn="ctr" rotWithShape="0">
                     <a:srgbClr val="000000">
@@ -702,7 +702,7 @@
           <a:ln/>
           <a:extLst>
             <a:ext uri="{AF507438-7753-43e0-B8FC-AC1667EBCBE1}">
-              <a14:hiddenEffects xmlns:a14="http://schemas.microsoft.com/office/drawing/2010/main" xmlns="">
+              <a14:hiddenEffects xmlns="" xmlns:a14="http://schemas.microsoft.com/office/drawing/2010/main">
                 <a:effectLst>
                   <a:outerShdw blurRad="63500" dist="38099" dir="2700000" algn="ctr" rotWithShape="0">
                     <a:srgbClr val="000000">
@@ -815,7 +815,7 @@
           <a:ln/>
           <a:extLst>
             <a:ext uri="{AF507438-7753-43e0-B8FC-AC1667EBCBE1}">
-              <a14:hiddenEffects xmlns:a14="http://schemas.microsoft.com/office/drawing/2010/main" xmlns="">
+              <a14:hiddenEffects xmlns="" xmlns:a14="http://schemas.microsoft.com/office/drawing/2010/main">
                 <a:effectLst>
                   <a:outerShdw blurRad="63500" dist="38099" dir="2700000" algn="ctr" rotWithShape="0">
                     <a:srgbClr val="000000">
@@ -846,7 +846,7 @@
           <a:ln/>
           <a:extLst>
             <a:ext uri="{AF507438-7753-43e0-B8FC-AC1667EBCBE1}">
-              <a14:hiddenEffects xmlns:a14="http://schemas.microsoft.com/office/drawing/2010/main" xmlns="">
+              <a14:hiddenEffects xmlns="" xmlns:a14="http://schemas.microsoft.com/office/drawing/2010/main">
                 <a:effectLst>
                   <a:outerShdw blurRad="63500" dist="38099" dir="2700000" algn="ctr" rotWithShape="0">
                     <a:srgbClr val="000000">
@@ -959,7 +959,7 @@
           <a:ln/>
           <a:extLst>
             <a:ext uri="{AF507438-7753-43e0-B8FC-AC1667EBCBE1}">
-              <a14:hiddenEffects xmlns:a14="http://schemas.microsoft.com/office/drawing/2010/main" xmlns="">
+              <a14:hiddenEffects xmlns="" xmlns:a14="http://schemas.microsoft.com/office/drawing/2010/main">
                 <a:effectLst>
                   <a:outerShdw blurRad="63500" dist="38099" dir="2700000" algn="ctr" rotWithShape="0">
                     <a:srgbClr val="000000">
@@ -990,7 +990,7 @@
           <a:ln/>
           <a:extLst>
             <a:ext uri="{AF507438-7753-43e0-B8FC-AC1667EBCBE1}">
-              <a14:hiddenEffects xmlns:a14="http://schemas.microsoft.com/office/drawing/2010/main" xmlns="">
+              <a14:hiddenEffects xmlns="" xmlns:a14="http://schemas.microsoft.com/office/drawing/2010/main">
                 <a:effectLst>
                   <a:outerShdw blurRad="63500" dist="38099" dir="2700000" algn="ctr" rotWithShape="0">
                     <a:srgbClr val="000000">
@@ -1103,7 +1103,7 @@
           <a:ln/>
           <a:extLst>
             <a:ext uri="{AF507438-7753-43e0-B8FC-AC1667EBCBE1}">
-              <a14:hiddenEffects xmlns:a14="http://schemas.microsoft.com/office/drawing/2010/main" xmlns="">
+              <a14:hiddenEffects xmlns="" xmlns:a14="http://schemas.microsoft.com/office/drawing/2010/main">
                 <a:effectLst>
                   <a:outerShdw blurRad="63500" dist="38099" dir="2700000" algn="ctr" rotWithShape="0">
                     <a:srgbClr val="000000">
@@ -1134,7 +1134,7 @@
           <a:ln/>
           <a:extLst>
             <a:ext uri="{AF507438-7753-43e0-B8FC-AC1667EBCBE1}">
-              <a14:hiddenEffects xmlns:a14="http://schemas.microsoft.com/office/drawing/2010/main" xmlns="">
+              <a14:hiddenEffects xmlns="" xmlns:a14="http://schemas.microsoft.com/office/drawing/2010/main">
                 <a:effectLst>
                   <a:outerShdw blurRad="63500" dist="38099" dir="2700000" algn="ctr" rotWithShape="0">
                     <a:srgbClr val="000000">
@@ -1247,7 +1247,7 @@
           <a:ln/>
           <a:extLst>
             <a:ext uri="{AF507438-7753-43e0-B8FC-AC1667EBCBE1}">
-              <a14:hiddenEffects xmlns:a14="http://schemas.microsoft.com/office/drawing/2010/main" xmlns="">
+              <a14:hiddenEffects xmlns="" xmlns:a14="http://schemas.microsoft.com/office/drawing/2010/main">
                 <a:effectLst>
                   <a:outerShdw blurRad="63500" dist="38099" dir="2700000" algn="ctr" rotWithShape="0">
                     <a:srgbClr val="000000">
@@ -1278,7 +1278,7 @@
           <a:ln/>
           <a:extLst>
             <a:ext uri="{AF507438-7753-43e0-B8FC-AC1667EBCBE1}">
-              <a14:hiddenEffects xmlns:a14="http://schemas.microsoft.com/office/drawing/2010/main" xmlns="">
+              <a14:hiddenEffects xmlns="" xmlns:a14="http://schemas.microsoft.com/office/drawing/2010/main">
                 <a:effectLst>
                   <a:outerShdw blurRad="63500" dist="38099" dir="2700000" algn="ctr" rotWithShape="0">
                     <a:srgbClr val="000000">
@@ -1391,7 +1391,7 @@
           <a:ln/>
           <a:extLst>
             <a:ext uri="{AF507438-7753-43e0-B8FC-AC1667EBCBE1}">
-              <a14:hiddenEffects xmlns:a14="http://schemas.microsoft.com/office/drawing/2010/main" xmlns="">
+              <a14:hiddenEffects xmlns="" xmlns:a14="http://schemas.microsoft.com/office/drawing/2010/main">
                 <a:effectLst>
                   <a:outerShdw blurRad="63500" dist="38099" dir="2700000" algn="ctr" rotWithShape="0">
                     <a:srgbClr val="000000">
@@ -1422,7 +1422,7 @@
           <a:ln/>
           <a:extLst>
             <a:ext uri="{AF507438-7753-43e0-B8FC-AC1667EBCBE1}">
-              <a14:hiddenEffects xmlns:a14="http://schemas.microsoft.com/office/drawing/2010/main" xmlns="">
+              <a14:hiddenEffects xmlns="" xmlns:a14="http://schemas.microsoft.com/office/drawing/2010/main">
                 <a:effectLst>
                   <a:outerShdw blurRad="63500" dist="38099" dir="2700000" algn="ctr" rotWithShape="0">
                     <a:srgbClr val="000000">
@@ -1535,7 +1535,7 @@
           <a:ln/>
           <a:extLst>
             <a:ext uri="{AF507438-7753-43e0-B8FC-AC1667EBCBE1}">
-              <a14:hiddenEffects xmlns:a14="http://schemas.microsoft.com/office/drawing/2010/main" xmlns="">
+              <a14:hiddenEffects xmlns="" xmlns:a14="http://schemas.microsoft.com/office/drawing/2010/main">
                 <a:effectLst>
                   <a:outerShdw blurRad="63500" dist="38099" dir="2700000" algn="ctr" rotWithShape="0">
                     <a:srgbClr val="000000">
@@ -1566,7 +1566,7 @@
           <a:ln/>
           <a:extLst>
             <a:ext uri="{AF507438-7753-43e0-B8FC-AC1667EBCBE1}">
-              <a14:hiddenEffects xmlns:a14="http://schemas.microsoft.com/office/drawing/2010/main" xmlns="">
+              <a14:hiddenEffects xmlns="" xmlns:a14="http://schemas.microsoft.com/office/drawing/2010/main">
                 <a:effectLst>
                   <a:outerShdw blurRad="63500" dist="38099" dir="2700000" algn="ctr" rotWithShape="0">
                     <a:srgbClr val="000000">
@@ -1679,7 +1679,7 @@
           <a:ln/>
           <a:extLst>
             <a:ext uri="{AF507438-7753-43e0-B8FC-AC1667EBCBE1}">
-              <a14:hiddenEffects xmlns:a14="http://schemas.microsoft.com/office/drawing/2010/main" xmlns="">
+              <a14:hiddenEffects xmlns="" xmlns:a14="http://schemas.microsoft.com/office/drawing/2010/main">
                 <a:effectLst>
                   <a:outerShdw blurRad="63500" dist="38099" dir="2700000" algn="ctr" rotWithShape="0">
                     <a:srgbClr val="000000">
@@ -1710,7 +1710,7 @@
           <a:ln/>
           <a:extLst>
             <a:ext uri="{AF507438-7753-43e0-B8FC-AC1667EBCBE1}">
-              <a14:hiddenEffects xmlns:a14="http://schemas.microsoft.com/office/drawing/2010/main" xmlns="">
+              <a14:hiddenEffects xmlns="" xmlns:a14="http://schemas.microsoft.com/office/drawing/2010/main">
                 <a:effectLst>
                   <a:outerShdw blurRad="63500" dist="38099" dir="2700000" algn="ctr" rotWithShape="0">
                     <a:srgbClr val="000000">
@@ -1823,7 +1823,7 @@
           <a:ln/>
           <a:extLst>
             <a:ext uri="{AF507438-7753-43e0-B8FC-AC1667EBCBE1}">
-              <a14:hiddenEffects xmlns:a14="http://schemas.microsoft.com/office/drawing/2010/main" xmlns="">
+              <a14:hiddenEffects xmlns="" xmlns:a14="http://schemas.microsoft.com/office/drawing/2010/main">
                 <a:effectLst>
                   <a:outerShdw blurRad="63500" dist="38099" dir="2700000" algn="ctr" rotWithShape="0">
                     <a:srgbClr val="000000">
@@ -1854,7 +1854,7 @@
           <a:ln/>
           <a:extLst>
             <a:ext uri="{AF507438-7753-43e0-B8FC-AC1667EBCBE1}">
-              <a14:hiddenEffects xmlns:a14="http://schemas.microsoft.com/office/drawing/2010/main" xmlns="">
+              <a14:hiddenEffects xmlns="" xmlns:a14="http://schemas.microsoft.com/office/drawing/2010/main">
                 <a:effectLst>
                   <a:outerShdw blurRad="63500" dist="38099" dir="2700000" algn="ctr" rotWithShape="0">
                     <a:srgbClr val="000000">
@@ -1967,7 +1967,7 @@
           <a:ln/>
           <a:extLst>
             <a:ext uri="{AF507438-7753-43e0-B8FC-AC1667EBCBE1}">
-              <a14:hiddenEffects xmlns:a14="http://schemas.microsoft.com/office/drawing/2010/main" xmlns="">
+              <a14:hiddenEffects xmlns="" xmlns:a14="http://schemas.microsoft.com/office/drawing/2010/main">
                 <a:effectLst>
                   <a:outerShdw blurRad="63500" dist="38099" dir="2700000" algn="ctr" rotWithShape="0">
                     <a:srgbClr val="000000">
@@ -1998,7 +1998,7 @@
           <a:ln/>
           <a:extLst>
             <a:ext uri="{AF507438-7753-43e0-B8FC-AC1667EBCBE1}">
-              <a14:hiddenEffects xmlns:a14="http://schemas.microsoft.com/office/drawing/2010/main" xmlns="">
+              <a14:hiddenEffects xmlns="" xmlns:a14="http://schemas.microsoft.com/office/drawing/2010/main">
                 <a:effectLst>
                   <a:outerShdw blurRad="63500" dist="38099" dir="2700000" algn="ctr" rotWithShape="0">
                     <a:srgbClr val="000000">
@@ -2111,7 +2111,7 @@
           <a:ln/>
           <a:extLst>
             <a:ext uri="{AF507438-7753-43e0-B8FC-AC1667EBCBE1}">
-              <a14:hiddenEffects xmlns:a14="http://schemas.microsoft.com/office/drawing/2010/main" xmlns="">
+              <a14:hiddenEffects xmlns="" xmlns:a14="http://schemas.microsoft.com/office/drawing/2010/main">
                 <a:effectLst>
                   <a:outerShdw blurRad="63500" dist="38099" dir="2700000" algn="ctr" rotWithShape="0">
                     <a:srgbClr val="000000">
@@ -2142,7 +2142,7 @@
           <a:ln/>
           <a:extLst>
             <a:ext uri="{AF507438-7753-43e0-B8FC-AC1667EBCBE1}">
-              <a14:hiddenEffects xmlns:a14="http://schemas.microsoft.com/office/drawing/2010/main" xmlns="">
+              <a14:hiddenEffects xmlns="" xmlns:a14="http://schemas.microsoft.com/office/drawing/2010/main">
                 <a:effectLst>
                   <a:outerShdw blurRad="63500" dist="38099" dir="2700000" algn="ctr" rotWithShape="0">
                     <a:srgbClr val="000000">
@@ -2255,7 +2255,7 @@
           <a:ln/>
           <a:extLst>
             <a:ext uri="{AF507438-7753-43e0-B8FC-AC1667EBCBE1}">
-              <a14:hiddenEffects xmlns:a14="http://schemas.microsoft.com/office/drawing/2010/main" xmlns="">
+              <a14:hiddenEffects xmlns="" xmlns:a14="http://schemas.microsoft.com/office/drawing/2010/main">
                 <a:effectLst>
                   <a:outerShdw blurRad="63500" dist="38099" dir="2700000" algn="ctr" rotWithShape="0">
                     <a:srgbClr val="000000">
@@ -2286,7 +2286,7 @@
           <a:ln/>
           <a:extLst>
             <a:ext uri="{AF507438-7753-43e0-B8FC-AC1667EBCBE1}">
-              <a14:hiddenEffects xmlns:a14="http://schemas.microsoft.com/office/drawing/2010/main" xmlns="">
+              <a14:hiddenEffects xmlns="" xmlns:a14="http://schemas.microsoft.com/office/drawing/2010/main">
                 <a:effectLst>
                   <a:outerShdw blurRad="63500" dist="38099" dir="2700000" algn="ctr" rotWithShape="0">
                     <a:srgbClr val="000000">
@@ -2511,7 +2511,7 @@
           <a:p>
             <a:fld id="{2691D6E4-0F7A-0249-86EF-226720E50E4C}" type="datetimeFigureOut">
               <a:rPr lang="en-US" smtClean="0"/>
-              <a:t>1/11/2022</a:t>
+              <a:t>1/10/23</a:t>
             </a:fld>
             <a:endParaRPr lang="en-US"/>
           </a:p>
@@ -2703,7 +2703,7 @@
           <a:p>
             <a:fld id="{2691D6E4-0F7A-0249-86EF-226720E50E4C}" type="datetimeFigureOut">
               <a:rPr lang="en-US" smtClean="0"/>
-              <a:t>1/11/2022</a:t>
+              <a:t>1/10/23</a:t>
             </a:fld>
             <a:endParaRPr lang="en-US"/>
           </a:p>
@@ -2905,7 +2905,7 @@
           <a:p>
             <a:fld id="{2691D6E4-0F7A-0249-86EF-226720E50E4C}" type="datetimeFigureOut">
               <a:rPr lang="en-US" smtClean="0"/>
-              <a:t>1/11/2022</a:t>
+              <a:t>1/10/23</a:t>
             </a:fld>
             <a:endParaRPr lang="en-US"/>
           </a:p>
@@ -3097,7 +3097,7 @@
           <a:p>
             <a:fld id="{2691D6E4-0F7A-0249-86EF-226720E50E4C}" type="datetimeFigureOut">
               <a:rPr lang="en-US" smtClean="0"/>
-              <a:t>1/11/2022</a:t>
+              <a:t>1/10/23</a:t>
             </a:fld>
             <a:endParaRPr lang="en-US"/>
           </a:p>
@@ -3366,7 +3366,7 @@
           <a:p>
             <a:fld id="{2691D6E4-0F7A-0249-86EF-226720E50E4C}" type="datetimeFigureOut">
               <a:rPr lang="en-US" smtClean="0"/>
-              <a:t>1/11/2022</a:t>
+              <a:t>1/10/23</a:t>
             </a:fld>
             <a:endParaRPr lang="en-US"/>
           </a:p>
@@ -3675,7 +3675,7 @@
           <a:p>
             <a:fld id="{2691D6E4-0F7A-0249-86EF-226720E50E4C}" type="datetimeFigureOut">
               <a:rPr lang="en-US" smtClean="0"/>
-              <a:t>1/11/2022</a:t>
+              <a:t>1/10/23</a:t>
             </a:fld>
             <a:endParaRPr lang="en-US"/>
           </a:p>
@@ -4118,7 +4118,7 @@
           <a:p>
             <a:fld id="{2691D6E4-0F7A-0249-86EF-226720E50E4C}" type="datetimeFigureOut">
               <a:rPr lang="en-US" smtClean="0"/>
-              <a:t>1/11/2022</a:t>
+              <a:t>1/10/23</a:t>
             </a:fld>
             <a:endParaRPr lang="en-US"/>
           </a:p>
@@ -4259,7 +4259,7 @@
           <a:p>
             <a:fld id="{2691D6E4-0F7A-0249-86EF-226720E50E4C}" type="datetimeFigureOut">
               <a:rPr lang="en-US" smtClean="0"/>
-              <a:t>1/11/2022</a:t>
+              <a:t>1/10/23</a:t>
             </a:fld>
             <a:endParaRPr lang="en-US"/>
           </a:p>
@@ -4378,7 +4378,7 @@
           <a:p>
             <a:fld id="{2691D6E4-0F7A-0249-86EF-226720E50E4C}" type="datetimeFigureOut">
               <a:rPr lang="en-US" smtClean="0"/>
-              <a:t>1/11/2022</a:t>
+              <a:t>1/10/23</a:t>
             </a:fld>
             <a:endParaRPr lang="en-US"/>
           </a:p>
@@ -4677,7 +4677,7 @@
           <a:p>
             <a:fld id="{2691D6E4-0F7A-0249-86EF-226720E50E4C}" type="datetimeFigureOut">
               <a:rPr lang="en-US" smtClean="0"/>
-              <a:t>1/11/2022</a:t>
+              <a:t>1/10/23</a:t>
             </a:fld>
             <a:endParaRPr lang="en-US"/>
           </a:p>
@@ -4953,7 +4953,7 @@
           <a:p>
             <a:fld id="{2691D6E4-0F7A-0249-86EF-226720E50E4C}" type="datetimeFigureOut">
               <a:rPr lang="en-US" smtClean="0"/>
-              <a:t>1/11/2022</a:t>
+              <a:t>1/10/23</a:t>
             </a:fld>
             <a:endParaRPr lang="en-US"/>
           </a:p>
@@ -7308,8 +7308,17 @@
               <a:rPr lang="en-US" dirty="0">
                 <a:latin typeface="Calibri" charset="0"/>
               </a:rPr>
-              <a:t>Thank you for filling in the GitHub to Student survey</a:t>
-            </a:r>
+              <a:t>Thank you for filling in the GitHub to Student survey – </a:t>
+            </a:r>
+            <a:r>
+              <a:rPr lang="en-US" b="1" dirty="0">
+                <a:latin typeface="Calibri" charset="0"/>
+              </a:rPr>
+              <a:t>we still need more responses!</a:t>
+            </a:r>
+            <a:endParaRPr lang="en-US" dirty="0">
+              <a:latin typeface="Calibri" charset="0"/>
+            </a:endParaRPr>
           </a:p>
           <a:p>
             <a:endParaRPr lang="en-US" dirty="0"/>
@@ -7318,10 +7327,10 @@
       </p:sp>
       <p:pic>
         <p:nvPicPr>
-          <p:cNvPr id="6" name="Picture 5">
+          <p:cNvPr id="4" name="Picture 3">
             <a:extLst>
               <a:ext uri="{FF2B5EF4-FFF2-40B4-BE49-F238E27FC236}">
-                <a16:creationId xmlns:a16="http://schemas.microsoft.com/office/drawing/2014/main" id="{12196E8E-ABC1-45CF-80FA-541D5B0440CE}"/>
+                <a16:creationId xmlns:a16="http://schemas.microsoft.com/office/drawing/2014/main" id="{5DAEA294-E7BB-94B7-A835-145B69DF46DD}"/>
               </a:ext>
             </a:extLst>
           </p:cNvPr>
@@ -7338,8 +7347,8 @@
         </p:blipFill>
         <p:spPr>
           <a:xfrm>
-            <a:off x="878358" y="2786109"/>
-            <a:ext cx="7387284" cy="4053825"/>
+            <a:off x="685800" y="2757694"/>
+            <a:ext cx="7772400" cy="3899678"/>
           </a:xfrm>
           <a:prstGeom prst="rect">
             <a:avLst/>
@@ -9640,7 +9649,7 @@
           <a:effectLst/>
           <a:extLst>
             <a:ext uri="{AF507438-7753-43e0-B8FC-AC1667EBCBE1}">
-              <a14:hiddenEffects xmlns:a14="http://schemas.microsoft.com/office/drawing/2010/main" xmlns="">
+              <a14:hiddenEffects xmlns="" xmlns:a14="http://schemas.microsoft.com/office/drawing/2010/main">
                 <a:effectLst>
                   <a:outerShdw blurRad="63500" dist="38099" dir="2700000" algn="ctr" rotWithShape="0">
                     <a:schemeClr val="bg2">
